--- a/slides/03-functions-params-return-values.pptx
+++ b/slides/03-functions-params-return-values.pptx
@@ -250,7 +250,7 @@
           <a:p>
             <a:fld id="{71AD6251-F058-45BE-A50E-F2C67990E4B9}" type="datetimeFigureOut">
               <a:rPr lang="en-US" smtClean="0"/>
-              <a:t>7/24/2023</a:t>
+              <a:t>8/25/2023</a:t>
             </a:fld>
             <a:endParaRPr lang="en-US"/>
           </a:p>
@@ -420,7 +420,7 @@
           <a:p>
             <a:fld id="{71AD6251-F058-45BE-A50E-F2C67990E4B9}" type="datetimeFigureOut">
               <a:rPr lang="en-US" smtClean="0"/>
-              <a:t>7/24/2023</a:t>
+              <a:t>8/25/2023</a:t>
             </a:fld>
             <a:endParaRPr lang="en-US"/>
           </a:p>
@@ -600,7 +600,7 @@
           <a:p>
             <a:fld id="{71AD6251-F058-45BE-A50E-F2C67990E4B9}" type="datetimeFigureOut">
               <a:rPr lang="en-US" smtClean="0"/>
-              <a:t>7/24/2023</a:t>
+              <a:t>8/25/2023</a:t>
             </a:fld>
             <a:endParaRPr lang="en-US"/>
           </a:p>
@@ -770,7 +770,7 @@
           <a:p>
             <a:fld id="{71AD6251-F058-45BE-A50E-F2C67990E4B9}" type="datetimeFigureOut">
               <a:rPr lang="en-US" smtClean="0"/>
-              <a:t>7/24/2023</a:t>
+              <a:t>8/25/2023</a:t>
             </a:fld>
             <a:endParaRPr lang="en-US"/>
           </a:p>
@@ -1016,7 +1016,7 @@
           <a:p>
             <a:fld id="{71AD6251-F058-45BE-A50E-F2C67990E4B9}" type="datetimeFigureOut">
               <a:rPr lang="en-US" smtClean="0"/>
-              <a:t>7/24/2023</a:t>
+              <a:t>8/25/2023</a:t>
             </a:fld>
             <a:endParaRPr lang="en-US"/>
           </a:p>
@@ -1248,7 +1248,7 @@
           <a:p>
             <a:fld id="{71AD6251-F058-45BE-A50E-F2C67990E4B9}" type="datetimeFigureOut">
               <a:rPr lang="en-US" smtClean="0"/>
-              <a:t>7/24/2023</a:t>
+              <a:t>8/25/2023</a:t>
             </a:fld>
             <a:endParaRPr lang="en-US"/>
           </a:p>
@@ -1615,7 +1615,7 @@
           <a:p>
             <a:fld id="{71AD6251-F058-45BE-A50E-F2C67990E4B9}" type="datetimeFigureOut">
               <a:rPr lang="en-US" smtClean="0"/>
-              <a:t>7/24/2023</a:t>
+              <a:t>8/25/2023</a:t>
             </a:fld>
             <a:endParaRPr lang="en-US"/>
           </a:p>
@@ -1733,7 +1733,7 @@
           <a:p>
             <a:fld id="{71AD6251-F058-45BE-A50E-F2C67990E4B9}" type="datetimeFigureOut">
               <a:rPr lang="en-US" smtClean="0"/>
-              <a:t>7/24/2023</a:t>
+              <a:t>8/25/2023</a:t>
             </a:fld>
             <a:endParaRPr lang="en-US"/>
           </a:p>
@@ -1828,7 +1828,7 @@
           <a:p>
             <a:fld id="{71AD6251-F058-45BE-A50E-F2C67990E4B9}" type="datetimeFigureOut">
               <a:rPr lang="en-US" smtClean="0"/>
-              <a:t>7/24/2023</a:t>
+              <a:t>8/25/2023</a:t>
             </a:fld>
             <a:endParaRPr lang="en-US"/>
           </a:p>
@@ -2105,7 +2105,7 @@
           <a:p>
             <a:fld id="{71AD6251-F058-45BE-A50E-F2C67990E4B9}" type="datetimeFigureOut">
               <a:rPr lang="en-US" smtClean="0"/>
-              <a:t>7/24/2023</a:t>
+              <a:t>8/25/2023</a:t>
             </a:fld>
             <a:endParaRPr lang="en-US"/>
           </a:p>
@@ -2358,7 +2358,7 @@
           <a:p>
             <a:fld id="{71AD6251-F058-45BE-A50E-F2C67990E4B9}" type="datetimeFigureOut">
               <a:rPr lang="en-US" smtClean="0"/>
-              <a:t>7/24/2023</a:t>
+              <a:t>8/25/2023</a:t>
             </a:fld>
             <a:endParaRPr lang="en-US"/>
           </a:p>
@@ -2571,7 +2571,7 @@
           <a:p>
             <a:fld id="{71AD6251-F058-45BE-A50E-F2C67990E4B9}" type="datetimeFigureOut">
               <a:rPr lang="en-US" smtClean="0"/>
-              <a:t>7/24/2023</a:t>
+              <a:t>8/25/2023</a:t>
             </a:fld>
             <a:endParaRPr lang="en-US"/>
           </a:p>
@@ -4008,15 +4008,7 @@
           <a:p>
             <a:r>
               <a:rPr lang="en-US" dirty="0" smtClean="0"/>
-              <a:t>What happens when a function </a:t>
-            </a:r>
-            <a:r>
-              <a:rPr lang="en-US" dirty="0" smtClean="0"/>
-              <a:t>call like</a:t>
-            </a:r>
-            <a:r>
-              <a:rPr lang="en-US" dirty="0" smtClean="0"/>
-              <a:t/>
+              <a:t>What happens when a function call like</a:t>
             </a:r>
             <a:br>
               <a:rPr lang="en-US" dirty="0" smtClean="0"/>
@@ -4055,15 +4047,7 @@
             </a:r>
             <a:r>
               <a:rPr lang="en-US" dirty="0" smtClean="0"/>
-              <a:t> is </a:t>
-            </a:r>
-            <a:r>
-              <a:rPr lang="en-US" dirty="0" smtClean="0"/>
-              <a:t>in </a:t>
-            </a:r>
-            <a:r>
-              <a:rPr lang="en-US" dirty="0" smtClean="0"/>
-              <a:t>an expression?</a:t>
+              <a:t> is in an expression?</a:t>
             </a:r>
             <a:endParaRPr lang="en-US" dirty="0"/>
           </a:p>
@@ -4233,11 +4217,7 @@
             </a:r>
             <a:r>
               <a:rPr lang="en-US" b="1" dirty="0" smtClean="0"/>
-              <a:t>with a </a:t>
-            </a:r>
-            <a:r>
-              <a:rPr lang="en-US" b="1" dirty="0" smtClean="0"/>
-              <a:t>value (return value</a:t>
+              <a:t>with a value (return value</a:t>
             </a:r>
             <a:r>
               <a:rPr lang="en-US" dirty="0" smtClean="0"/>
@@ -4251,7 +4231,6 @@
               <a:rPr lang="en-US" dirty="0" smtClean="0"/>
               <a:t>.</a:t>
             </a:r>
-            <a:endParaRPr lang="en-US" dirty="0" smtClean="0"/>
           </a:p>
           <a:p>
             <a:pPr marL="514350" indent="-514350">
@@ -5085,7 +5064,21 @@
                 <a:latin typeface="Courier New" panose="02070309020205020404" pitchFamily="49" charset="0"/>
                 <a:cs typeface="Courier New" panose="02070309020205020404" pitchFamily="49" charset="0"/>
               </a:rPr>
-              <a:t> mx;</a:t>
+              <a:t> </a:t>
+            </a:r>
+            <a:r>
+              <a:rPr lang="en-US" b="1" dirty="0" smtClean="0">
+                <a:latin typeface="Courier New" panose="02070309020205020404" pitchFamily="49" charset="0"/>
+                <a:cs typeface="Courier New" panose="02070309020205020404" pitchFamily="49" charset="0"/>
+              </a:rPr>
+              <a:t>m;</a:t>
+            </a:r>
+            <a:r>
+              <a:rPr lang="en-US" b="1" dirty="0" smtClean="0">
+                <a:latin typeface="Courier New" panose="02070309020205020404" pitchFamily="49" charset="0"/>
+                <a:cs typeface="Courier New" panose="02070309020205020404" pitchFamily="49" charset="0"/>
+              </a:rPr>
+              <a:t/>
             </a:r>
             <a:br>
               <a:rPr lang="en-US" b="1" dirty="0" smtClean="0">
